--- a/Bench_Top_Measurements/figures/coaxial-particle-fields.pptx
+++ b/Bench_Top_Measurements/figures/coaxial-particle-fields.pptx
@@ -288,7 +288,7 @@
           <a:p>
             <a:fld id="{E1BF4FA3-B2FF-421F-8FBD-8941E0103B51}" type="datetimeFigureOut">
               <a:rPr lang="en-GB" smtClean="0"/>
-              <a:t>06/12/2012</a:t>
+              <a:t>07/02/2013</a:t>
             </a:fld>
             <a:endParaRPr lang="en-GB"/>
           </a:p>
@@ -458,7 +458,7 @@
           <a:p>
             <a:fld id="{E1BF4FA3-B2FF-421F-8FBD-8941E0103B51}" type="datetimeFigureOut">
               <a:rPr lang="en-GB" smtClean="0"/>
-              <a:t>06/12/2012</a:t>
+              <a:t>07/02/2013</a:t>
             </a:fld>
             <a:endParaRPr lang="en-GB"/>
           </a:p>
@@ -638,7 +638,7 @@
           <a:p>
             <a:fld id="{E1BF4FA3-B2FF-421F-8FBD-8941E0103B51}" type="datetimeFigureOut">
               <a:rPr lang="en-GB" smtClean="0"/>
-              <a:t>06/12/2012</a:t>
+              <a:t>07/02/2013</a:t>
             </a:fld>
             <a:endParaRPr lang="en-GB"/>
           </a:p>
@@ -808,7 +808,7 @@
           <a:p>
             <a:fld id="{E1BF4FA3-B2FF-421F-8FBD-8941E0103B51}" type="datetimeFigureOut">
               <a:rPr lang="en-GB" smtClean="0"/>
-              <a:t>06/12/2012</a:t>
+              <a:t>07/02/2013</a:t>
             </a:fld>
             <a:endParaRPr lang="en-GB"/>
           </a:p>
@@ -1054,7 +1054,7 @@
           <a:p>
             <a:fld id="{E1BF4FA3-B2FF-421F-8FBD-8941E0103B51}" type="datetimeFigureOut">
               <a:rPr lang="en-GB" smtClean="0"/>
-              <a:t>06/12/2012</a:t>
+              <a:t>07/02/2013</a:t>
             </a:fld>
             <a:endParaRPr lang="en-GB"/>
           </a:p>
@@ -1342,7 +1342,7 @@
           <a:p>
             <a:fld id="{E1BF4FA3-B2FF-421F-8FBD-8941E0103B51}" type="datetimeFigureOut">
               <a:rPr lang="en-GB" smtClean="0"/>
-              <a:t>06/12/2012</a:t>
+              <a:t>07/02/2013</a:t>
             </a:fld>
             <a:endParaRPr lang="en-GB"/>
           </a:p>
@@ -1764,7 +1764,7 @@
           <a:p>
             <a:fld id="{E1BF4FA3-B2FF-421F-8FBD-8941E0103B51}" type="datetimeFigureOut">
               <a:rPr lang="en-GB" smtClean="0"/>
-              <a:t>06/12/2012</a:t>
+              <a:t>07/02/2013</a:t>
             </a:fld>
             <a:endParaRPr lang="en-GB"/>
           </a:p>
@@ -1882,7 +1882,7 @@
           <a:p>
             <a:fld id="{E1BF4FA3-B2FF-421F-8FBD-8941E0103B51}" type="datetimeFigureOut">
               <a:rPr lang="en-GB" smtClean="0"/>
-              <a:t>06/12/2012</a:t>
+              <a:t>07/02/2013</a:t>
             </a:fld>
             <a:endParaRPr lang="en-GB"/>
           </a:p>
@@ -1977,7 +1977,7 @@
           <a:p>
             <a:fld id="{E1BF4FA3-B2FF-421F-8FBD-8941E0103B51}" type="datetimeFigureOut">
               <a:rPr lang="en-GB" smtClean="0"/>
-              <a:t>06/12/2012</a:t>
+              <a:t>07/02/2013</a:t>
             </a:fld>
             <a:endParaRPr lang="en-GB"/>
           </a:p>
@@ -2254,7 +2254,7 @@
           <a:p>
             <a:fld id="{E1BF4FA3-B2FF-421F-8FBD-8941E0103B51}" type="datetimeFigureOut">
               <a:rPr lang="en-GB" smtClean="0"/>
-              <a:t>06/12/2012</a:t>
+              <a:t>07/02/2013</a:t>
             </a:fld>
             <a:endParaRPr lang="en-GB"/>
           </a:p>
@@ -2507,7 +2507,7 @@
           <a:p>
             <a:fld id="{E1BF4FA3-B2FF-421F-8FBD-8941E0103B51}" type="datetimeFigureOut">
               <a:rPr lang="en-GB" smtClean="0"/>
-              <a:t>06/12/2012</a:t>
+              <a:t>07/02/2013</a:t>
             </a:fld>
             <a:endParaRPr lang="en-GB"/>
           </a:p>
@@ -2720,7 +2720,7 @@
           <a:p>
             <a:fld id="{E1BF4FA3-B2FF-421F-8FBD-8941E0103B51}" type="datetimeFigureOut">
               <a:rPr lang="en-GB" smtClean="0"/>
-              <a:t>06/12/2012</a:t>
+              <a:t>07/02/2013</a:t>
             </a:fld>
             <a:endParaRPr lang="en-GB"/>
           </a:p>
@@ -3457,8 +3457,8 @@
           </a:p>
         </p:txBody>
       </p:sp>
-      <mc:AlternateContent xmlns:mc="http://schemas.openxmlformats.org/markup-compatibility/2006">
-        <mc:Choice xmlns:a14="http://schemas.microsoft.com/office/drawing/2010/main" Requires="a14">
+      <mc:AlternateContent xmlns:mc="http://schemas.openxmlformats.org/markup-compatibility/2006" xmlns:a14="http://schemas.microsoft.com/office/drawing/2010/main">
+        <mc:Choice Requires="a14">
           <p:sp>
             <p:nvSpPr>
               <p:cNvPr id="34" name="TextBox 33"/>
@@ -3481,6 +3481,7 @@
               </a:bodyPr>
               <a:lstStyle/>
               <a:p>
+                <a:pPr/>
                 <a14:m>
                   <m:oMathPara xmlns:m="http://schemas.openxmlformats.org/officeDocument/2006/math">
                     <m:oMathParaPr>
@@ -3537,7 +3538,7 @@
             </p:txBody>
           </p:sp>
         </mc:Choice>
-        <mc:Fallback>
+        <mc:Fallback xmlns="">
           <p:sp>
             <p:nvSpPr>
               <p:cNvPr id="34" name="TextBox 33"/>
@@ -3576,6 +3577,72 @@
           </p:sp>
         </mc:Fallback>
       </mc:AlternateContent>
+      <p:cxnSp>
+        <p:nvCxnSpPr>
+          <p:cNvPr id="12" name="Straight Connector 11"/>
+          <p:cNvCxnSpPr/>
+          <p:nvPr/>
+        </p:nvCxnSpPr>
+        <p:spPr>
+          <a:xfrm>
+            <a:off x="4770541" y="2082168"/>
+            <a:ext cx="953984" cy="0"/>
+          </a:xfrm>
+          <a:prstGeom prst="line">
+            <a:avLst/>
+          </a:prstGeom>
+          <a:ln w="31750">
+            <a:solidFill>
+              <a:schemeClr val="tx1"/>
+            </a:solidFill>
+            <a:tailEnd type="triangle"/>
+          </a:ln>
+        </p:spPr>
+        <p:style>
+          <a:lnRef idx="1">
+            <a:schemeClr val="accent1"/>
+          </a:lnRef>
+          <a:fillRef idx="0">
+            <a:schemeClr val="accent1"/>
+          </a:fillRef>
+          <a:effectRef idx="0">
+            <a:schemeClr val="accent1"/>
+          </a:effectRef>
+          <a:fontRef idx="minor">
+            <a:schemeClr val="tx1"/>
+          </a:fontRef>
+        </p:style>
+      </p:cxnSp>
+      <p:sp>
+        <p:nvSpPr>
+          <p:cNvPr id="3" name="TextBox 2"/>
+          <p:cNvSpPr txBox="1"/>
+          <p:nvPr/>
+        </p:nvSpPr>
+        <p:spPr>
+          <a:xfrm>
+            <a:off x="5464517" y="2067674"/>
+            <a:ext cx="260008" cy="292388"/>
+          </a:xfrm>
+          <a:prstGeom prst="rect">
+            <a:avLst/>
+          </a:prstGeom>
+          <a:noFill/>
+        </p:spPr>
+        <p:txBody>
+          <a:bodyPr wrap="none" rtlCol="0">
+            <a:spAutoFit/>
+          </a:bodyPr>
+          <a:lstStyle/>
+          <a:p>
+            <a:r>
+              <a:rPr lang="en-GB" u="sng" dirty="0" smtClean="0"/>
+              <a:t>v</a:t>
+            </a:r>
+            <a:endParaRPr lang="en-GB" u="sng" dirty="0"/>
+          </a:p>
+        </p:txBody>
+      </p:sp>
     </p:spTree>
     <p:extLst>
       <p:ext uri="{BB962C8B-B14F-4D97-AF65-F5344CB8AC3E}">
